--- a/Presentacion 1ra reunion.pptx
+++ b/Presentacion 1ra reunion.pptx
@@ -8,9 +8,10 @@
     <p:sldId id="256" r:id="rId2"/>
     <p:sldId id="257" r:id="rId3"/>
     <p:sldId id="258" r:id="rId4"/>
-    <p:sldId id="259" r:id="rId5"/>
-    <p:sldId id="260" r:id="rId6"/>
-    <p:sldId id="261" r:id="rId7"/>
+    <p:sldId id="262" r:id="rId5"/>
+    <p:sldId id="259" r:id="rId6"/>
+    <p:sldId id="260" r:id="rId7"/>
+    <p:sldId id="261" r:id="rId8"/>
   </p:sldIdLst>
   <p:sldSz cx="12192000" cy="6858000"/>
   <p:notesSz cx="6858000" cy="9144000"/>
@@ -109,6 +110,11 @@
       </a:defRPr>
     </a:lvl9pPr>
   </p:defaultTextStyle>
+  <p:extLst>
+    <p:ext uri="{EFAFB233-063F-42B5-8137-9DF3F51BA10A}">
+      <p15:sldGuideLst xmlns:p15="http://schemas.microsoft.com/office/powerpoint/2012/main"/>
+    </p:ext>
+  </p:extLst>
 </p:presentation>
 </file>
 
@@ -12124,6 +12130,106 @@
 <file path=ppt/slides/slide4.xml><?xml version="1.0" encoding="utf-8"?>
 <p:sld xmlns:a="http://schemas.openxmlformats.org/drawingml/2006/main" xmlns:r="http://schemas.openxmlformats.org/officeDocument/2006/relationships" xmlns:p="http://schemas.openxmlformats.org/presentationml/2006/main">
   <p:cSld>
+    <p:spTree>
+      <p:nvGrpSpPr>
+        <p:cNvPr id="1" name=""/>
+        <p:cNvGrpSpPr/>
+        <p:nvPr/>
+      </p:nvGrpSpPr>
+      <p:grpSpPr>
+        <a:xfrm>
+          <a:off x="0" y="0"/>
+          <a:ext cx="0" cy="0"/>
+          <a:chOff x="0" y="0"/>
+          <a:chExt cx="0" cy="0"/>
+        </a:xfrm>
+      </p:grpSpPr>
+      <p:sp>
+        <p:nvSpPr>
+          <p:cNvPr id="2" name="Título 1">
+            <a:extLst>
+              <a:ext uri="{FF2B5EF4-FFF2-40B4-BE49-F238E27FC236}">
+                <a16:creationId xmlns:a16="http://schemas.microsoft.com/office/drawing/2014/main" id="{B10303E9-6753-4C22-B5F8-2285A70DCD8A}"/>
+              </a:ext>
+            </a:extLst>
+          </p:cNvPr>
+          <p:cNvSpPr>
+            <a:spLocks noGrp="1"/>
+          </p:cNvSpPr>
+          <p:nvPr>
+            <p:ph type="title"/>
+          </p:nvPr>
+        </p:nvSpPr>
+        <p:spPr/>
+        <p:txBody>
+          <a:bodyPr/>
+          <a:lstStyle/>
+          <a:p>
+            <a:r>
+              <a:rPr lang="es-ES" dirty="0"/>
+              <a:t>Artefactos utilizados para la recopilación de requisitos</a:t>
+            </a:r>
+            <a:endParaRPr lang="es-MX" dirty="0"/>
+          </a:p>
+        </p:txBody>
+      </p:sp>
+      <p:sp>
+        <p:nvSpPr>
+          <p:cNvPr id="3" name="Marcador de contenido 2">
+            <a:extLst>
+              <a:ext uri="{FF2B5EF4-FFF2-40B4-BE49-F238E27FC236}">
+                <a16:creationId xmlns:a16="http://schemas.microsoft.com/office/drawing/2014/main" id="{56713BB8-3314-4C9A-AB6D-ECDA9DBA50E0}"/>
+              </a:ext>
+            </a:extLst>
+          </p:cNvPr>
+          <p:cNvSpPr>
+            <a:spLocks noGrp="1"/>
+          </p:cNvSpPr>
+          <p:nvPr>
+            <p:ph idx="1"/>
+          </p:nvPr>
+        </p:nvSpPr>
+        <p:spPr/>
+        <p:txBody>
+          <a:bodyPr/>
+          <a:lstStyle/>
+          <a:p>
+            <a:r>
+              <a:rPr lang="es-ES" dirty="0"/>
+              <a:t>Diagrama de carriles para identificar el proceso.</a:t>
+            </a:r>
+          </a:p>
+          <a:p>
+            <a:r>
+              <a:rPr lang="es-ES" dirty="0"/>
+              <a:t>Entrevista.</a:t>
+            </a:r>
+          </a:p>
+          <a:p>
+            <a:r>
+              <a:rPr lang="es-ES" dirty="0"/>
+              <a:t>Minuta de reunión.</a:t>
+            </a:r>
+            <a:endParaRPr lang="es-MX" dirty="0"/>
+          </a:p>
+        </p:txBody>
+      </p:sp>
+    </p:spTree>
+    <p:extLst>
+      <p:ext uri="{BB962C8B-B14F-4D97-AF65-F5344CB8AC3E}">
+        <p14:creationId xmlns:p14="http://schemas.microsoft.com/office/powerpoint/2010/main" val="3889370611"/>
+      </p:ext>
+    </p:extLst>
+  </p:cSld>
+  <p:clrMapOvr>
+    <a:masterClrMapping/>
+  </p:clrMapOvr>
+</p:sld>
+</file>
+
+<file path=ppt/slides/slide5.xml><?xml version="1.0" encoding="utf-8"?>
+<p:sld xmlns:a="http://schemas.openxmlformats.org/drawingml/2006/main" xmlns:r="http://schemas.openxmlformats.org/officeDocument/2006/relationships" xmlns:p="http://schemas.openxmlformats.org/presentationml/2006/main">
+  <p:cSld>
     <p:bg>
       <p:bgPr>
         <a:blipFill rotWithShape="1">
@@ -12240,7 +12346,7 @@
 </p:sld>
 </file>
 
-<file path=ppt/slides/slide5.xml><?xml version="1.0" encoding="utf-8"?>
+<file path=ppt/slides/slide6.xml><?xml version="1.0" encoding="utf-8"?>
 <p:sld xmlns:a="http://schemas.openxmlformats.org/drawingml/2006/main" xmlns:r="http://schemas.openxmlformats.org/officeDocument/2006/relationships" xmlns:p="http://schemas.openxmlformats.org/presentationml/2006/main">
   <p:cSld>
     <p:bg>
@@ -12441,7 +12547,7 @@
 </p:sld>
 </file>
 
-<file path=ppt/slides/slide6.xml><?xml version="1.0" encoding="utf-8"?>
+<file path=ppt/slides/slide7.xml><?xml version="1.0" encoding="utf-8"?>
 <p:sld xmlns:a="http://schemas.openxmlformats.org/drawingml/2006/main" xmlns:r="http://schemas.openxmlformats.org/officeDocument/2006/relationships" xmlns:p="http://schemas.openxmlformats.org/presentationml/2006/main">
   <p:cSld>
     <p:spTree>
@@ -12517,7 +12623,7 @@
           <a:p>
             <a:r>
               <a:rPr lang="es-MX" dirty="0"/>
-              <a:t>Realizar un prototipo de solución para mostrar al cliente</a:t>
+              <a:t>Realizar un prototipo de solución para mostrar al cliente.</a:t>
             </a:r>
           </a:p>
         </p:txBody>

--- a/Presentacion 1ra reunion.pptx
+++ b/Presentacion 1ra reunion.pptx
@@ -11961,7 +11961,7 @@
         </p:spPr>
         <p:txBody>
           <a:bodyPr anchor="ctr">
-            <a:normAutofit lnSpcReduction="10000"/>
+            <a:normAutofit/>
           </a:bodyPr>
           <a:lstStyle/>
           <a:p>
@@ -11986,19 +11986,8 @@
               <a:rPr lang="es-ES" sz="1700" dirty="0">
                 <a:effectLst/>
               </a:rPr>
-              <a:t>Evitar el robo de ganado proponiendo tecnología interactiva y móvil.</a:t>
+              <a:t>Minimizar el robo de ganado a través de tecnología interactiva y móvil</a:t>
             </a:r>
-          </a:p>
-          <a:p>
-            <a:pPr marL="0" indent="0">
-              <a:lnSpc>
-                <a:spcPct val="110000"/>
-              </a:lnSpc>
-              <a:buNone/>
-            </a:pPr>
-            <a:endParaRPr lang="es-ES" sz="1700" dirty="0">
-              <a:effectLst/>
-            </a:endParaRPr>
           </a:p>
           <a:p>
             <a:pPr marL="0" indent="0">

--- a/Presentacion 1ra reunion.pptx
+++ b/Presentacion 1ra reunion.pptx
@@ -11638,7 +11638,7 @@
         <p:spPr/>
         <p:txBody>
           <a:bodyPr>
-            <a:normAutofit lnSpcReduction="10000"/>
+            <a:normAutofit fontScale="92500" lnSpcReduction="20000"/>
           </a:bodyPr>
           <a:lstStyle/>
           <a:p>
@@ -11693,7 +11693,7 @@
               <a:rPr lang="es-ES" dirty="0">
                 <a:effectLst/>
               </a:rPr>
-              <a:t> es estadísticamente el 2do estado con mayor incidencia.</a:t>
+              <a:t> es de los mas afectados por el robo de ganado debido a la cantidad de cabezas de bovinos existentes en la región.</a:t>
             </a:r>
           </a:p>
           <a:p>

--- a/Presentacion 1ra reunion.pptx
+++ b/Presentacion 1ra reunion.pptx
@@ -12604,15 +12604,32 @@
           <a:lstStyle/>
           <a:p>
             <a:r>
-              <a:rPr lang="es-ES" dirty="0"/>
+              <a:rPr lang="es-MX" dirty="0"/>
               <a:t>Realizar un estudio sobre el estado del arte y soluciones a problemas similares.</a:t>
             </a:r>
-            <a:endParaRPr lang="es-MX" dirty="0"/>
           </a:p>
           <a:p>
             <a:r>
               <a:rPr lang="es-MX" dirty="0"/>
-              <a:t>Realizar un prototipo de solución para mostrar al cliente.</a:t>
+              <a:t>Realizar un prototipo de solución para mostrar al cliente en la siguiente visita.</a:t>
+            </a:r>
+          </a:p>
+          <a:p>
+            <a:r>
+              <a:rPr lang="es-MX" dirty="0"/>
+              <a:t>Siguiente fecha oficial establecida en la tercera semana de septiembre.</a:t>
+            </a:r>
+          </a:p>
+          <a:p>
+            <a:r>
+              <a:rPr lang="es-MX" dirty="0"/>
+              <a:t>Por parte del contacto se acuerda que es posible buscarlo para resolver dudas si es necesario antes de la siguiente fecha pactada.</a:t>
+            </a:r>
+          </a:p>
+          <a:p>
+            <a:r>
+              <a:rPr lang="es-MX" dirty="0"/>
+              <a:t>Contacto acordó enviar al equipo de trabajo fotografías para documentar la zona.</a:t>
             </a:r>
           </a:p>
         </p:txBody>
